--- a/RF/RF_Signal_Classification_(modulation).pptx
+++ b/RF/RF_Signal_Classification_(modulation).pptx
@@ -14762,6 +14762,33 @@
             </a:r>
             <a:endParaRPr lang="en-US" dirty="0"/>
           </a:p>
+          <a:p>
+            <a:r>
+              <a:rPr lang="en-US" dirty="0" err="1">
+                <a:hlinkClick r:id="rId5"/>
+              </a:rPr>
+              <a:t>Gnuradio</a:t>
+            </a:r>
+            <a:endParaRPr lang="en-US" dirty="0"/>
+          </a:p>
+          <a:p>
+            <a:r>
+              <a:rPr lang="en-US" dirty="0" err="1">
+                <a:hlinkClick r:id="rId6"/>
+              </a:rPr>
+              <a:t>gtc</a:t>
+            </a:r>
+            <a:r>
+              <a:rPr lang="en-US">
+                <a:hlinkClick r:id="rId6"/>
+              </a:rPr>
+              <a:t>-deep-learning-applications-for-radio-frequency-rf-data</a:t>
+            </a:r>
+            <a:endParaRPr lang="en-US" dirty="0"/>
+          </a:p>
+          <a:p>
+            <a:endParaRPr lang="en-US" dirty="0"/>
+          </a:p>
         </p:txBody>
       </p:sp>
     </p:spTree>

--- a/RF/RF_Signal_Classification_(modulation).pptx
+++ b/RF/RF_Signal_Classification_(modulation).pptx
@@ -3180,8 +3180,8 @@
         <a:lstStyle/>
         <a:p>
           <a:r>
-            <a:rPr lang="en-US"/>
-            <a:t>Tiny [2,000 I/Q sample] Modulation[2] SNR [-20 to 18 dB] </a:t>
+            <a:rPr lang="en-US" dirty="0"/>
+            <a:t>Tiny [20,000 I/Q sample] Modulation[2] SNR [-20 to 18 dB] </a:t>
           </a:r>
         </a:p>
       </dgm:t>
@@ -3216,8 +3216,8 @@
         <a:lstStyle/>
         <a:p>
           <a:r>
-            <a:rPr lang="en-US"/>
-            <a:t>Generated locally by limiting the modulation class to only two i.e. ( CPFSK &amp; GFSK ). 1000 samples/modulation</a:t>
+            <a:rPr lang="en-US" dirty="0"/>
+            <a:t>Generated locally by limiting the modulation class to only two i.e. ( CPFSK &amp; GFSK ). 10,000 samples/modulation</a:t>
           </a:r>
         </a:p>
       </dgm:t>
@@ -3252,8 +3252,8 @@
         <a:lstStyle/>
         <a:p>
           <a:r>
-            <a:rPr lang="en-US"/>
-            <a:t>Big [11,000 I/Q sample] Modulation[11] SNR [-20 to 18 dB] </a:t>
+            <a:rPr lang="en-US" dirty="0"/>
+            <a:t>Big [110,000 I/Q sample] Modulation[11] SNR [-20 to 18 dB] </a:t>
           </a:r>
         </a:p>
       </dgm:t>
@@ -4144,8 +4144,8 @@
             <a:buChar char="•"/>
           </a:pPr>
           <a:r>
-            <a:rPr lang="en-US" sz="2200" kern="1200"/>
-            <a:t>Tiny [2,000 I/Q sample] Modulation[2] SNR [-20 to 18 dB] </a:t>
+            <a:rPr lang="en-US" sz="2200" kern="1200" dirty="0"/>
+            <a:t>Tiny [20,000 I/Q sample] Modulation[2] SNR [-20 to 18 dB] </a:t>
           </a:r>
         </a:p>
         <a:p>
@@ -4162,8 +4162,8 @@
             <a:buChar char="•"/>
           </a:pPr>
           <a:r>
-            <a:rPr lang="en-US" sz="2200" kern="1200"/>
-            <a:t>Generated locally by limiting the modulation class to only two i.e. ( CPFSK &amp; GFSK ). 1000 samples/modulation</a:t>
+            <a:rPr lang="en-US" sz="2200" kern="1200" dirty="0"/>
+            <a:t>Generated locally by limiting the modulation class to only two i.e. ( CPFSK &amp; GFSK ). 10,000 samples/modulation</a:t>
           </a:r>
         </a:p>
         <a:p>
@@ -4180,8 +4180,8 @@
             <a:buChar char="•"/>
           </a:pPr>
           <a:r>
-            <a:rPr lang="en-US" sz="2200" kern="1200"/>
-            <a:t>Big [11,000 I/Q sample] Modulation[11] SNR [-20 to 18 dB] </a:t>
+            <a:rPr lang="en-US" sz="2200" kern="1200" dirty="0"/>
+            <a:t>Big [110,000 I/Q sample] Modulation[11] SNR [-20 to 18 dB] </a:t>
           </a:r>
         </a:p>
         <a:p>
@@ -14508,7 +14508,7 @@
             <p:ph idx="1"/>
             <p:extLst>
               <p:ext uri="{D42A27DB-BD31-4B8C-83A1-F6EECF244321}">
-                <p14:modId xmlns:p14="http://schemas.microsoft.com/office/powerpoint/2010/main" val="2604013078"/>
+                <p14:modId xmlns:p14="http://schemas.microsoft.com/office/powerpoint/2010/main" val="612530132"/>
               </p:ext>
             </p:extLst>
           </p:nvPr>
@@ -14655,6 +14655,19 @@
               <a:t>Run on google collaboration platform</a:t>
             </a:r>
           </a:p>
+          <a:p>
+            <a:r>
+              <a:rPr lang="en-US" dirty="0"/>
+              <a:t>Data set correct loading  </a:t>
+            </a:r>
+          </a:p>
+          <a:p>
+            <a:pPr lvl="1"/>
+            <a:r>
+              <a:rPr lang="en-US" dirty="0"/>
+              <a:t>encoding=latin1</a:t>
+            </a:r>
+          </a:p>
         </p:txBody>
       </p:sp>
     </p:spTree>
@@ -14779,7 +14792,7 @@
               <a:t>gtc</a:t>
             </a:r>
             <a:r>
-              <a:rPr lang="en-US">
+              <a:rPr lang="en-US" dirty="0">
                 <a:hlinkClick r:id="rId6"/>
               </a:rPr>
               <a:t>-deep-learning-applications-for-radio-frequency-rf-data</a:t>
